--- a/python/Synoptic_Meteorology/week10_lab/week10_B10209040.pptx
+++ b/python/Synoptic_Meteorology/week10_lab/week10_B10209040.pptx
@@ -4017,7 +4017,7 @@
             </p:spPr>
             <p:txBody>
               <a:bodyPr anchor="ctr">
-                <a:normAutofit fontScale="70000" lnSpcReduction="20000"/>
+                <a:noAutofit/>
               </a:bodyPr>
               <a:lstStyle/>
               <a:p>
@@ -4028,77 +4028,77 @@
                   <a:buNone/>
                 </a:pPr>
                 <a:r>
-                  <a:rPr lang="ja-JP" altLang="en-US" sz="2300"/>
+                  <a:rPr lang="ja-JP" altLang="en-US" sz="1400"/>
                   <a:t>左右圖皆為</a:t>
                 </a:r>
                 <a:r>
-                  <a:rPr lang="en-US" altLang="ja-JP" sz="2300" dirty="0"/>
+                  <a:rPr lang="en-US" altLang="ja-JP" sz="1400" dirty="0"/>
                   <a:t>2016.01.07</a:t>
                 </a:r>
                 <a:r>
-                  <a:rPr lang="ja-JP" altLang="en-US" sz="2300"/>
+                  <a:rPr lang="ja-JP" altLang="en-US" sz="1400"/>
                   <a:t>石垣島在</a:t>
                 </a:r>
                 <a:r>
-                  <a:rPr lang="en-US" altLang="ja-JP" sz="2300" dirty="0"/>
+                  <a:rPr lang="en-US" altLang="ja-JP" sz="1400" dirty="0"/>
                   <a:t>00</a:t>
                 </a:r>
                 <a:r>
-                  <a:rPr lang="en-US" sz="2300" dirty="0"/>
+                  <a:rPr lang="en-US" sz="1400" dirty="0"/>
                   <a:t>Z</a:t>
                 </a:r>
                 <a:r>
-                  <a:rPr lang="ja-JP" altLang="en-US" sz="2300"/>
+                  <a:rPr lang="ja-JP" altLang="en-US" sz="1400"/>
                   <a:t>時的探空圖，但右圖為理想化之模擬資料。此探空圖之</a:t>
                 </a:r>
                 <a:r>
-                  <a:rPr lang="en-US" sz="2300" dirty="0"/>
+                  <a:rPr lang="en-US" sz="1400" dirty="0"/>
                   <a:t>T</a:t>
                 </a:r>
                 <a:r>
-                  <a:rPr lang="ja-JP" altLang="en-US" sz="2300"/>
+                  <a:rPr lang="ja-JP" altLang="en-US" sz="1400"/>
                   <a:t>及</a:t>
                 </a:r>
                 <a:r>
-                  <a:rPr lang="en-US" sz="2300" dirty="0"/>
+                  <a:rPr lang="en-US" sz="1400" dirty="0"/>
                   <a:t>Td</a:t>
                 </a:r>
                 <a:r>
-                  <a:rPr lang="ja-JP" altLang="en-US" sz="2300"/>
+                  <a:rPr lang="ja-JP" altLang="en-US" sz="1400"/>
                   <a:t>由</a:t>
                 </a:r>
                 <a:r>
-                  <a:rPr lang="en-US" sz="2300" dirty="0"/>
+                  <a:rPr lang="en-US" sz="1400" dirty="0"/>
                   <a:t>fort.98</a:t>
                 </a:r>
                 <a:r>
-                  <a:rPr lang="ja-JP" altLang="en-US" sz="2300"/>
+                  <a:rPr lang="ja-JP" altLang="en-US" sz="1400"/>
                   <a:t>中的</a:t>
                 </a:r>
                 <a:r>
-                  <a:rPr lang="en-US" sz="2300" dirty="0"/>
+                  <a:rPr lang="en-US" sz="1400" dirty="0"/>
                   <a:t>theta</a:t>
                 </a:r>
                 <a:r>
-                  <a:rPr lang="ja-JP" altLang="en-US" sz="2300"/>
+                  <a:rPr lang="ja-JP" altLang="en-US" sz="1400"/>
                   <a:t>計算而得。可以發現於地表及較高層時，模擬及實際觀測的結果差距較小，中間部分兩者皆可以看出逆溫現象，唯實際觀測結果之露點溫度在</a:t>
                 </a:r>
                 <a:r>
-                  <a:rPr lang="en-US" altLang="ja-JP" sz="2300" dirty="0"/>
+                  <a:rPr lang="en-US" altLang="ja-JP" sz="1400" dirty="0"/>
                   <a:t>700</a:t>
                 </a:r>
                 <a:r>
-                  <a:rPr lang="en-US" sz="2300" dirty="0"/>
+                  <a:rPr lang="en-US" sz="1400" dirty="0"/>
                   <a:t>hPa</a:t>
                 </a:r>
                 <a:r>
-                  <a:rPr lang="ja-JP" altLang="en-US" sz="2300"/>
+                  <a:rPr lang="ja-JP" altLang="en-US" sz="1400"/>
                   <a:t>處下降較多，</a:t>
                 </a:r>
                 <a14:m>
                   <m:oMath xmlns:m="http://schemas.openxmlformats.org/officeDocument/2006/math">
                     <m:r>
-                      <a:rPr lang="ja-JP" altLang="en-US" sz="2300" i="1" smtClean="0">
+                      <a:rPr lang="ja-JP" altLang="en-US" sz="1400" i="1" smtClean="0">
                         <a:latin typeface="Cambria Math" panose="02040503050406030204" pitchFamily="18" charset="0"/>
                       </a:rPr>
                       <m:t>𝜃</m:t>
@@ -4106,7 +4106,7 @@
                   </m:oMath>
                 </a14:m>
                 <a:r>
-                  <a:rPr lang="ja-JP" altLang="en-US" sz="2300"/>
+                  <a:rPr lang="ja-JP" altLang="en-US" sz="1400"/>
                   <a:t>及</a:t>
                 </a:r>
                 <a14:m>
@@ -4114,14 +4114,14 @@
                     <m:sSub>
                       <m:sSubPr>
                         <m:ctrlPr>
-                          <a:rPr lang="en-US" altLang="ja-JP" sz="2300" i="1" smtClean="0">
+                          <a:rPr lang="en-US" altLang="ja-JP" sz="1400" i="1" smtClean="0">
                             <a:latin typeface="Cambria Math" panose="02040503050406030204" pitchFamily="18" charset="0"/>
                           </a:rPr>
                         </m:ctrlPr>
                       </m:sSubPr>
                       <m:e>
                         <m:r>
-                          <a:rPr lang="en-US" altLang="ja-JP" sz="2300" i="1" smtClean="0">
+                          <a:rPr lang="en-US" altLang="ja-JP" sz="1400" i="1" smtClean="0">
                             <a:latin typeface="Cambria Math" panose="02040503050406030204" pitchFamily="18" charset="0"/>
                             <a:ea typeface="Cambria Math" panose="02040503050406030204" pitchFamily="18" charset="0"/>
                           </a:rPr>
@@ -4130,7 +4130,7 @@
                       </m:e>
                       <m:sub>
                         <m:r>
-                          <a:rPr lang="en-US" altLang="ja-JP" sz="2300" b="0" i="1" smtClean="0">
+                          <a:rPr lang="en-US" altLang="ja-JP" sz="1400" b="0" i="1" smtClean="0">
                             <a:latin typeface="Cambria Math" panose="02040503050406030204" pitchFamily="18" charset="0"/>
                           </a:rPr>
                           <m:t>𝑒</m:t>
@@ -4140,11 +4140,15 @@
                   </m:oMath>
                 </a14:m>
                 <a:r>
-                  <a:rPr lang="ja-JP" altLang="en-US" sz="2300"/>
-                  <a:t>也有相似的趨勢。風向方面模擬結果與觀測相去不遠，唯實際測量到的風速較大</a:t>
+                  <a:rPr lang="ja-JP" altLang="en-US" sz="1400"/>
+                  <a:t>也有相似的趨勢。風向方面模擬結果與觀測相去不遠，唯實際測量到的風速較大。且以相同方式計算邊界層高度，得到之結果增加</a:t>
                 </a:r>
                 <a:r>
-                  <a:rPr lang="ja-JP" altLang="en-US" sz="1800"/>
+                  <a:rPr lang="en-US" altLang="ja-JP" sz="1400" dirty="0"/>
+                  <a:t>170m</a:t>
+                </a:r>
+                <a:r>
+                  <a:rPr lang="ja-JP" altLang="en-US" sz="1400"/>
                   <a:t>。</a:t>
                 </a:r>
               </a:p>
@@ -4176,7 +4180,7 @@
               <a:blipFill>
                 <a:blip r:embed="rId2"/>
                 <a:stretch>
-                  <a:fillRect l="-622" r="-207" b="-3077"/>
+                  <a:fillRect l="-415" r="-2490" b="-3077"/>
                 </a:stretch>
               </a:blipFill>
             </p:spPr>
@@ -4413,7 +4417,6 @@
             <a:r>
               <a:rPr lang="en-US" altLang="ja-JP" b="0" dirty="0">
                 <a:effectLst/>
-                <a:latin typeface="MesloLGS NF" panose="020B0609030804020204" pitchFamily="49" charset="0"/>
               </a:rPr>
               <a:t>6~30mm</a:t>
             </a:r>
